--- a/frontend/presentation/Red_Sonics.pptx
+++ b/frontend/presentation/Red_Sonics.pptx
@@ -7,8 +7,9 @@
   <p:sldIdLst>
     <p:sldId id="256" r:id="rId2"/>
     <p:sldId id="259" r:id="rId3"/>
-    <p:sldId id="258" r:id="rId4"/>
-    <p:sldId id="257" r:id="rId5"/>
+    <p:sldId id="260" r:id="rId4"/>
+    <p:sldId id="258" r:id="rId5"/>
+    <p:sldId id="257" r:id="rId6"/>
   </p:sldIdLst>
   <p:sldSz cx="12192000" cy="6858000"/>
   <p:notesSz cx="6858000" cy="9144000"/>
@@ -107,6 +108,11 @@
       </a:defRPr>
     </a:lvl9pPr>
   </p:defaultTextStyle>
+  <p:extLst>
+    <p:ext uri="{EFAFB233-063F-42B5-8137-9DF3F51BA10A}">
+      <p15:sldGuideLst xmlns:p15="http://schemas.microsoft.com/office/powerpoint/2012/main"/>
+    </p:ext>
+  </p:extLst>
 </p:presentation>
 </file>
 
@@ -257,7 +263,7 @@
           <a:p>
             <a:fld id="{7F9F4F9F-FBED-4B85-8CDC-517787AB89C9}" type="datetimeFigureOut">
               <a:rPr lang="hu-HU" smtClean="0"/>
-              <a:t>2023. 05. 18.</a:t>
+              <a:t>2023. 05. 19.</a:t>
             </a:fld>
             <a:endParaRPr lang="hu-HU"/>
           </a:p>
@@ -455,7 +461,7 @@
           <a:p>
             <a:fld id="{7F9F4F9F-FBED-4B85-8CDC-517787AB89C9}" type="datetimeFigureOut">
               <a:rPr lang="hu-HU" smtClean="0"/>
-              <a:t>2023. 05. 18.</a:t>
+              <a:t>2023. 05. 19.</a:t>
             </a:fld>
             <a:endParaRPr lang="hu-HU"/>
           </a:p>
@@ -663,7 +669,7 @@
           <a:p>
             <a:fld id="{7F9F4F9F-FBED-4B85-8CDC-517787AB89C9}" type="datetimeFigureOut">
               <a:rPr lang="hu-HU" smtClean="0"/>
-              <a:t>2023. 05. 18.</a:t>
+              <a:t>2023. 05. 19.</a:t>
             </a:fld>
             <a:endParaRPr lang="hu-HU"/>
           </a:p>
@@ -861,7 +867,7 @@
           <a:p>
             <a:fld id="{7F9F4F9F-FBED-4B85-8CDC-517787AB89C9}" type="datetimeFigureOut">
               <a:rPr lang="hu-HU" smtClean="0"/>
-              <a:t>2023. 05. 18.</a:t>
+              <a:t>2023. 05. 19.</a:t>
             </a:fld>
             <a:endParaRPr lang="hu-HU"/>
           </a:p>
@@ -1136,7 +1142,7 @@
           <a:p>
             <a:fld id="{7F9F4F9F-FBED-4B85-8CDC-517787AB89C9}" type="datetimeFigureOut">
               <a:rPr lang="hu-HU" smtClean="0"/>
-              <a:t>2023. 05. 18.</a:t>
+              <a:t>2023. 05. 19.</a:t>
             </a:fld>
             <a:endParaRPr lang="hu-HU"/>
           </a:p>
@@ -1401,7 +1407,7 @@
           <a:p>
             <a:fld id="{7F9F4F9F-FBED-4B85-8CDC-517787AB89C9}" type="datetimeFigureOut">
               <a:rPr lang="hu-HU" smtClean="0"/>
-              <a:t>2023. 05. 18.</a:t>
+              <a:t>2023. 05. 19.</a:t>
             </a:fld>
             <a:endParaRPr lang="hu-HU"/>
           </a:p>
@@ -1813,7 +1819,7 @@
           <a:p>
             <a:fld id="{7F9F4F9F-FBED-4B85-8CDC-517787AB89C9}" type="datetimeFigureOut">
               <a:rPr lang="hu-HU" smtClean="0"/>
-              <a:t>2023. 05. 18.</a:t>
+              <a:t>2023. 05. 19.</a:t>
             </a:fld>
             <a:endParaRPr lang="hu-HU"/>
           </a:p>
@@ -1954,7 +1960,7 @@
           <a:p>
             <a:fld id="{7F9F4F9F-FBED-4B85-8CDC-517787AB89C9}" type="datetimeFigureOut">
               <a:rPr lang="hu-HU" smtClean="0"/>
-              <a:t>2023. 05. 18.</a:t>
+              <a:t>2023. 05. 19.</a:t>
             </a:fld>
             <a:endParaRPr lang="hu-HU"/>
           </a:p>
@@ -2067,7 +2073,7 @@
           <a:p>
             <a:fld id="{7F9F4F9F-FBED-4B85-8CDC-517787AB89C9}" type="datetimeFigureOut">
               <a:rPr lang="hu-HU" smtClean="0"/>
-              <a:t>2023. 05. 18.</a:t>
+              <a:t>2023. 05. 19.</a:t>
             </a:fld>
             <a:endParaRPr lang="hu-HU"/>
           </a:p>
@@ -2378,7 +2384,7 @@
           <a:p>
             <a:fld id="{7F9F4F9F-FBED-4B85-8CDC-517787AB89C9}" type="datetimeFigureOut">
               <a:rPr lang="hu-HU" smtClean="0"/>
-              <a:t>2023. 05. 18.</a:t>
+              <a:t>2023. 05. 19.</a:t>
             </a:fld>
             <a:endParaRPr lang="hu-HU"/>
           </a:p>
@@ -2666,7 +2672,7 @@
           <a:p>
             <a:fld id="{7F9F4F9F-FBED-4B85-8CDC-517787AB89C9}" type="datetimeFigureOut">
               <a:rPr lang="hu-HU" smtClean="0"/>
-              <a:t>2023. 05. 18.</a:t>
+              <a:t>2023. 05. 19.</a:t>
             </a:fld>
             <a:endParaRPr lang="hu-HU"/>
           </a:p>
@@ -2916,7 +2922,7 @@
           <a:p>
             <a:fld id="{7F9F4F9F-FBED-4B85-8CDC-517787AB89C9}" type="datetimeFigureOut">
               <a:rPr lang="hu-HU" smtClean="0"/>
-              <a:t>2023. 05. 18.</a:t>
+              <a:t>2023. 05. 19.</a:t>
             </a:fld>
             <a:endParaRPr lang="hu-HU"/>
           </a:p>
@@ -3530,7 +3536,23 @@
                 <a:ea typeface="+mn-ea"/>
                 <a:cs typeface="+mn-cs"/>
               </a:rPr>
-              <a:t>autocomplete</a:t>
+              <a:t>for</a:t>
+            </a:r>
+            <a:r>
+              <a:rPr lang="hu-HU" sz="4800" dirty="0">
+                <a:latin typeface="Rockwell" panose="02060603020205020403" pitchFamily="18" charset="0"/>
+                <a:ea typeface="+mn-ea"/>
+                <a:cs typeface="+mn-cs"/>
+              </a:rPr>
+              <a:t> city </a:t>
+            </a:r>
+            <a:r>
+              <a:rPr lang="hu-HU" sz="4800" dirty="0" err="1">
+                <a:latin typeface="Rockwell" panose="02060603020205020403" pitchFamily="18" charset="0"/>
+                <a:ea typeface="+mn-ea"/>
+                <a:cs typeface="+mn-cs"/>
+              </a:rPr>
+              <a:t>name</a:t>
             </a:r>
             <a:r>
               <a:rPr lang="hu-HU" sz="4800" dirty="0">
@@ -3553,7 +3575,7 @@
                 <a:ea typeface="+mn-ea"/>
                 <a:cs typeface="+mn-cs"/>
               </a:rPr>
-              <a:t>Conlict</a:t>
+              <a:t>Create</a:t>
             </a:r>
             <a:r>
               <a:rPr lang="hu-HU" sz="4800" dirty="0">
@@ -3561,7 +3583,7 @@
                 <a:ea typeface="+mn-ea"/>
                 <a:cs typeface="+mn-cs"/>
               </a:rPr>
-              <a:t> of </a:t>
+              <a:t> </a:t>
             </a:r>
             <a:r>
               <a:rPr lang="hu-HU" sz="4800" dirty="0" err="1">
@@ -3569,7 +3591,7 @@
                 <a:ea typeface="+mn-ea"/>
                 <a:cs typeface="+mn-cs"/>
               </a:rPr>
-              <a:t>eventlisteners</a:t>
+              <a:t>weather</a:t>
             </a:r>
             <a:r>
               <a:rPr lang="hu-HU" sz="4800" dirty="0">
@@ -3577,7 +3599,7 @@
                 <a:ea typeface="+mn-ea"/>
                 <a:cs typeface="+mn-cs"/>
               </a:rPr>
-              <a:t>;</a:t>
+              <a:t> app;</a:t>
             </a:r>
           </a:p>
         </p:txBody>
@@ -3625,7 +3647,7 @@
               <a:rPr lang="hu-HU" sz="6000" dirty="0">
                 <a:latin typeface="Rockwell" panose="02060603020205020403" pitchFamily="18" charset="0"/>
               </a:rPr>
-              <a:t>Challanges</a:t>
+              <a:t>Project</a:t>
             </a:r>
           </a:p>
         </p:txBody>
@@ -3660,6 +3682,202 @@
           <a:chExt cx="0" cy="0"/>
         </a:xfrm>
       </p:grpSpPr>
+      <p:sp>
+        <p:nvSpPr>
+          <p:cNvPr id="2" name="Cím 1">
+            <a:extLst>
+              <a:ext uri="{FF2B5EF4-FFF2-40B4-BE49-F238E27FC236}">
+                <a16:creationId xmlns:a16="http://schemas.microsoft.com/office/drawing/2014/main" id="{FE2F8CE6-C61B-F835-CD2D-557500A0E20C}"/>
+              </a:ext>
+            </a:extLst>
+          </p:cNvPr>
+          <p:cNvSpPr>
+            <a:spLocks noGrp="1"/>
+          </p:cNvSpPr>
+          <p:nvPr>
+            <p:ph type="ctrTitle"/>
+          </p:nvPr>
+        </p:nvSpPr>
+        <p:spPr>
+          <a:xfrm>
+            <a:off x="2369574" y="3303638"/>
+            <a:ext cx="8298426" cy="2792361"/>
+          </a:xfrm>
+          <a:solidFill>
+            <a:srgbClr val="FFFFFF">
+              <a:alpha val="50196"/>
+            </a:srgbClr>
+          </a:solidFill>
+          <a:effectLst>
+            <a:softEdge rad="152400"/>
+          </a:effectLst>
+        </p:spPr>
+        <p:txBody>
+          <a:bodyPr vert="horz" lIns="91440" tIns="45720" rIns="91440" bIns="45720" rtlCol="0" anchor="ctr">
+            <a:noAutofit/>
+          </a:bodyPr>
+          <a:lstStyle/>
+          <a:p>
+            <a:pPr algn="l">
+              <a:lnSpc>
+                <a:spcPct val="150000"/>
+              </a:lnSpc>
+              <a:spcBef>
+                <a:spcPts val="1000"/>
+              </a:spcBef>
+            </a:pPr>
+            <a:r>
+              <a:rPr lang="hu-HU" sz="4800" dirty="0" err="1">
+                <a:latin typeface="Rockwell" panose="02060603020205020403" pitchFamily="18" charset="0"/>
+                <a:ea typeface="+mn-ea"/>
+                <a:cs typeface="+mn-cs"/>
+              </a:rPr>
+              <a:t>Search</a:t>
+            </a:r>
+            <a:r>
+              <a:rPr lang="hu-HU" sz="4800" dirty="0">
+                <a:latin typeface="Rockwell" panose="02060603020205020403" pitchFamily="18" charset="0"/>
+                <a:ea typeface="+mn-ea"/>
+                <a:cs typeface="+mn-cs"/>
+              </a:rPr>
+              <a:t> </a:t>
+            </a:r>
+            <a:r>
+              <a:rPr lang="hu-HU" sz="4800" dirty="0" err="1">
+                <a:latin typeface="Rockwell" panose="02060603020205020403" pitchFamily="18" charset="0"/>
+                <a:ea typeface="+mn-ea"/>
+                <a:cs typeface="+mn-cs"/>
+              </a:rPr>
+              <a:t>autocomplete</a:t>
+            </a:r>
+            <a:r>
+              <a:rPr lang="hu-HU" sz="4800" dirty="0">
+                <a:latin typeface="Rockwell" panose="02060603020205020403" pitchFamily="18" charset="0"/>
+                <a:ea typeface="+mn-ea"/>
+                <a:cs typeface="+mn-cs"/>
+              </a:rPr>
+              <a:t>;</a:t>
+            </a:r>
+            <a:br>
+              <a:rPr lang="hu-HU" sz="4800" dirty="0">
+                <a:latin typeface="Rockwell" panose="02060603020205020403" pitchFamily="18" charset="0"/>
+                <a:ea typeface="+mn-ea"/>
+                <a:cs typeface="+mn-cs"/>
+              </a:rPr>
+            </a:br>
+            <a:r>
+              <a:rPr lang="hu-HU" sz="4800" dirty="0" err="1">
+                <a:latin typeface="Rockwell" panose="02060603020205020403" pitchFamily="18" charset="0"/>
+                <a:ea typeface="+mn-ea"/>
+                <a:cs typeface="+mn-cs"/>
+              </a:rPr>
+              <a:t>Conlict</a:t>
+            </a:r>
+            <a:r>
+              <a:rPr lang="hu-HU" sz="4800" dirty="0">
+                <a:latin typeface="Rockwell" panose="02060603020205020403" pitchFamily="18" charset="0"/>
+                <a:ea typeface="+mn-ea"/>
+                <a:cs typeface="+mn-cs"/>
+              </a:rPr>
+              <a:t> of </a:t>
+            </a:r>
+            <a:r>
+              <a:rPr lang="hu-HU" sz="4800" dirty="0" err="1">
+                <a:latin typeface="Rockwell" panose="02060603020205020403" pitchFamily="18" charset="0"/>
+                <a:ea typeface="+mn-ea"/>
+                <a:cs typeface="+mn-cs"/>
+              </a:rPr>
+              <a:t>eventlisteners</a:t>
+            </a:r>
+            <a:r>
+              <a:rPr lang="hu-HU" sz="4800" dirty="0">
+                <a:latin typeface="Rockwell" panose="02060603020205020403" pitchFamily="18" charset="0"/>
+                <a:ea typeface="+mn-ea"/>
+                <a:cs typeface="+mn-cs"/>
+              </a:rPr>
+              <a:t>;</a:t>
+            </a:r>
+          </a:p>
+        </p:txBody>
+      </p:sp>
+      <p:sp>
+        <p:nvSpPr>
+          <p:cNvPr id="3" name="Alcím 2">
+            <a:extLst>
+              <a:ext uri="{FF2B5EF4-FFF2-40B4-BE49-F238E27FC236}">
+                <a16:creationId xmlns:a16="http://schemas.microsoft.com/office/drawing/2014/main" id="{BCE37880-5EB7-970E-735A-2081728B5465}"/>
+              </a:ext>
+            </a:extLst>
+          </p:cNvPr>
+          <p:cNvSpPr>
+            <a:spLocks noGrp="1"/>
+          </p:cNvSpPr>
+          <p:nvPr>
+            <p:ph type="subTitle" idx="1"/>
+          </p:nvPr>
+        </p:nvSpPr>
+        <p:spPr>
+          <a:xfrm>
+            <a:off x="3703663" y="524207"/>
+            <a:ext cx="4784675" cy="1314532"/>
+          </a:xfrm>
+          <a:prstGeom prst="roundRect">
+            <a:avLst/>
+          </a:prstGeom>
+          <a:solidFill>
+            <a:srgbClr val="FFFFFF">
+              <a:alpha val="50196"/>
+            </a:srgbClr>
+          </a:solidFill>
+          <a:effectLst>
+            <a:softEdge rad="190500"/>
+          </a:effectLst>
+        </p:spPr>
+        <p:txBody>
+          <a:bodyPr anchor="ctr">
+            <a:normAutofit/>
+          </a:bodyPr>
+          <a:lstStyle/>
+          <a:p>
+            <a:r>
+              <a:rPr lang="hu-HU" sz="6000" dirty="0">
+                <a:latin typeface="Rockwell" panose="02060603020205020403" pitchFamily="18" charset="0"/>
+              </a:rPr>
+              <a:t>Challanges</a:t>
+            </a:r>
+          </a:p>
+        </p:txBody>
+      </p:sp>
+    </p:spTree>
+    <p:extLst>
+      <p:ext uri="{BB962C8B-B14F-4D97-AF65-F5344CB8AC3E}">
+        <p14:creationId xmlns:p14="http://schemas.microsoft.com/office/powerpoint/2010/main" val="3427630439"/>
+      </p:ext>
+    </p:extLst>
+  </p:cSld>
+  <p:clrMapOvr>
+    <a:masterClrMapping/>
+  </p:clrMapOvr>
+</p:sld>
+</file>
+
+<file path=ppt/slides/slide4.xml><?xml version="1.0" encoding="utf-8"?>
+<p:sld xmlns:a="http://schemas.openxmlformats.org/drawingml/2006/main" xmlns:r="http://schemas.openxmlformats.org/officeDocument/2006/relationships" xmlns:p="http://schemas.openxmlformats.org/presentationml/2006/main">
+  <p:cSld>
+    <p:spTree>
+      <p:nvGrpSpPr>
+        <p:cNvPr id="1" name=""/>
+        <p:cNvGrpSpPr/>
+        <p:nvPr/>
+      </p:nvGrpSpPr>
+      <p:grpSpPr>
+        <a:xfrm>
+          <a:off x="0" y="0"/>
+          <a:ext cx="0" cy="0"/>
+          <a:chOff x="0" y="0"/>
+          <a:chExt cx="0" cy="0"/>
+        </a:xfrm>
+      </p:grpSpPr>
       <p:pic>
         <p:nvPicPr>
           <p:cNvPr id="8" name="Kép 7" descr="A képen szöveg, képernyőkép, Betűtípus látható&#10;&#10;Automatikusan generált leírás">
@@ -3698,7 +3916,7 @@
       </p:pic>
       <p:pic>
         <p:nvPicPr>
-          <p:cNvPr id="10" name="Kép 9" descr="A képen szöveg, képernyőkép, Betűtípus látható&#10;&#10;Automatikusan generált leírás">
+          <p:cNvPr id="10" name="Kép 9">
             <a:extLst>
               <a:ext uri="{FF2B5EF4-FFF2-40B4-BE49-F238E27FC236}">
                 <a16:creationId xmlns:a16="http://schemas.microsoft.com/office/drawing/2014/main" id="{3BA866A7-CDEF-C324-EEEC-90A1AF88FF03}"/>
@@ -3718,14 +3936,13 @@
               </a:ext>
             </a:extLst>
           </a:blip>
-          <a:stretch>
-            <a:fillRect/>
-          </a:stretch>
+          <a:srcRect/>
+          <a:stretch/>
         </p:blipFill>
         <p:spPr>
           <a:xfrm>
-            <a:off x="4640827" y="1118546"/>
-            <a:ext cx="7551173" cy="2870893"/>
+            <a:off x="4640826" y="813004"/>
+            <a:ext cx="7629109" cy="3208390"/>
           </a:xfrm>
           <a:prstGeom prst="rect">
             <a:avLst/>
@@ -3745,7 +3962,7 @@
 </p:sld>
 </file>
 
-<file path=ppt/slides/slide4.xml><?xml version="1.0" encoding="utf-8"?>
+<file path=ppt/slides/slide5.xml><?xml version="1.0" encoding="utf-8"?>
 <p:sld xmlns:a="http://schemas.openxmlformats.org/drawingml/2006/main" xmlns:r="http://schemas.openxmlformats.org/officeDocument/2006/relationships" xmlns:p="http://schemas.openxmlformats.org/presentationml/2006/main">
   <p:cSld>
     <p:spTree>

--- a/frontend/presentation/Red_Sonics.pptx
+++ b/frontend/presentation/Red_Sonics.pptx
@@ -3515,12 +3515,20 @@
               </a:spcBef>
             </a:pPr>
             <a:r>
+              <a:rPr lang="hu-HU" sz="4800" dirty="0">
+                <a:latin typeface="Rockwell" panose="02060603020205020403" pitchFamily="18" charset="0"/>
+                <a:ea typeface="+mn-ea"/>
+                <a:cs typeface="+mn-cs"/>
+              </a:rPr>
+              <a:t>Display </a:t>
+            </a:r>
+            <a:r>
               <a:rPr lang="hu-HU" sz="4800" dirty="0" err="1">
                 <a:latin typeface="Rockwell" panose="02060603020205020403" pitchFamily="18" charset="0"/>
                 <a:ea typeface="+mn-ea"/>
                 <a:cs typeface="+mn-cs"/>
               </a:rPr>
-              <a:t>Search</a:t>
+              <a:t>weather</a:t>
             </a:r>
             <a:r>
               <a:rPr lang="hu-HU" sz="4800" dirty="0">
@@ -3536,7 +3544,7 @@
                 <a:ea typeface="+mn-ea"/>
                 <a:cs typeface="+mn-cs"/>
               </a:rPr>
-              <a:t>for</a:t>
+              <a:t>by</a:t>
             </a:r>
             <a:r>
               <a:rPr lang="hu-HU" sz="4800" dirty="0">
@@ -3544,7 +3552,7 @@
                 <a:ea typeface="+mn-ea"/>
                 <a:cs typeface="+mn-cs"/>
               </a:rPr>
-              <a:t> city </a:t>
+              <a:t> </a:t>
             </a:r>
             <a:r>
               <a:rPr lang="hu-HU" sz="4800" dirty="0" err="1">
@@ -3552,7 +3560,7 @@
                 <a:ea typeface="+mn-ea"/>
                 <a:cs typeface="+mn-cs"/>
               </a:rPr>
-              <a:t>name</a:t>
+              <a:t>cities</a:t>
             </a:r>
             <a:r>
               <a:rPr lang="hu-HU" sz="4800" dirty="0">
@@ -3575,7 +3583,7 @@
                 <a:ea typeface="+mn-ea"/>
                 <a:cs typeface="+mn-cs"/>
               </a:rPr>
-              <a:t>Create</a:t>
+              <a:t>Search</a:t>
             </a:r>
             <a:r>
               <a:rPr lang="hu-HU" sz="4800" dirty="0">
@@ -3591,7 +3599,7 @@
                 <a:ea typeface="+mn-ea"/>
                 <a:cs typeface="+mn-cs"/>
               </a:rPr>
-              <a:t>weather</a:t>
+              <a:t>for</a:t>
             </a:r>
             <a:r>
               <a:rPr lang="hu-HU" sz="4800" dirty="0">
@@ -3599,7 +3607,23 @@
                 <a:ea typeface="+mn-ea"/>
                 <a:cs typeface="+mn-cs"/>
               </a:rPr>
-              <a:t> app;</a:t>
+              <a:t> city </a:t>
+            </a:r>
+            <a:r>
+              <a:rPr lang="hu-HU" sz="4800" dirty="0" err="1">
+                <a:latin typeface="Rockwell" panose="02060603020205020403" pitchFamily="18" charset="0"/>
+                <a:ea typeface="+mn-ea"/>
+                <a:cs typeface="+mn-cs"/>
+              </a:rPr>
+              <a:t>name</a:t>
+            </a:r>
+            <a:r>
+              <a:rPr lang="hu-HU" sz="4800" dirty="0">
+                <a:latin typeface="Rockwell" panose="02060603020205020403" pitchFamily="18" charset="0"/>
+                <a:ea typeface="+mn-ea"/>
+                <a:cs typeface="+mn-cs"/>
+              </a:rPr>
+              <a:t>;</a:t>
             </a:r>
           </a:p>
         </p:txBody>
@@ -3622,8 +3646,8 @@
         </p:nvSpPr>
         <p:spPr>
           <a:xfrm>
-            <a:off x="3703663" y="524207"/>
-            <a:ext cx="4784675" cy="1314532"/>
+            <a:off x="4531122" y="524207"/>
+            <a:ext cx="3129756" cy="1314532"/>
           </a:xfrm>
           <a:prstGeom prst="roundRect">
             <a:avLst/>
